--- a/doc/More Ideas-Wencan.pptx
+++ b/doc/More Ideas-Wencan.pptx
@@ -218,7 +218,7 @@
             <a:fld id="{5B5349A0-9DCA-4449-8462-5D9CB563EABC}" type="datetimeFigureOut">
               <a:rPr lang="zh-CN" altLang="en-US" smtClean="0"/>
               <a:pPr/>
-              <a:t>2013-9-5</a:t>
+              <a:t>2013/9/5</a:t>
             </a:fld>
             <a:endParaRPr lang="zh-CN" altLang="en-US"/>
           </a:p>
@@ -5635,9 +5635,12 @@
           <a:lstStyle/>
           <a:p>
             <a:r>
-              <a:rPr lang="en-US" dirty="0" smtClean="0"/>
+              <a:rPr lang="en-US" dirty="0" smtClean="0">
+                <a:hlinkClick r:id="rId2"/>
+              </a:rPr>
               <a:t>Brown et al., 1992</a:t>
             </a:r>
+            <a:endParaRPr lang="en-US" dirty="0" smtClean="0"/>
           </a:p>
           <a:p>
             <a:r>
@@ -5647,15 +5650,21 @@
           </a:p>
           <a:p>
             <a:r>
-              <a:rPr lang="en-US" dirty="0" smtClean="0"/>
+              <a:rPr lang="en-US" dirty="0" smtClean="0">
+                <a:hlinkClick r:id="rId3"/>
+              </a:rPr>
               <a:t>LDA</a:t>
             </a:r>
-          </a:p>
-          <a:p>
-            <a:r>
-              <a:rPr lang="en-US" dirty="0" smtClean="0"/>
+            <a:endParaRPr lang="en-US" dirty="0" smtClean="0"/>
+          </a:p>
+          <a:p>
+            <a:r>
+              <a:rPr lang="en-US" dirty="0" smtClean="0">
+                <a:hlinkClick r:id="rId4"/>
+              </a:rPr>
               <a:t>Deep Learning</a:t>
             </a:r>
+            <a:endParaRPr lang="en-US" dirty="0" smtClean="0"/>
           </a:p>
           <a:p>
             <a:r>
@@ -5666,7 +5675,9 @@
           <a:p>
             <a:pPr lvl="1"/>
             <a:r>
-              <a:rPr lang="en-US" smtClean="0"/>
+              <a:rPr lang="en-US" dirty="0" smtClean="0">
+                <a:hlinkClick r:id="rId5"/>
+              </a:rPr>
               <a:t>Maas et al., 2012</a:t>
             </a:r>
             <a:endParaRPr lang="en-US" dirty="0"/>

--- a/doc/More Ideas-Wencan.pptx
+++ b/doc/More Ideas-Wencan.pptx
@@ -5,7 +5,7 @@
     <p:sldMasterId id="2147483672" r:id="rId1"/>
   </p:sldMasterIdLst>
   <p:notesMasterIdLst>
-    <p:notesMasterId r:id="rId10"/>
+    <p:notesMasterId r:id="rId11"/>
   </p:notesMasterIdLst>
   <p:sldIdLst>
     <p:sldId id="256" r:id="rId2"/>
@@ -16,6 +16,7 @@
     <p:sldId id="262" r:id="rId7"/>
     <p:sldId id="261" r:id="rId8"/>
     <p:sldId id="263" r:id="rId9"/>
+    <p:sldId id="264" r:id="rId10"/>
   </p:sldIdLst>
   <p:sldSz cx="9144000" cy="6858000" type="screen4x3"/>
   <p:notesSz cx="6858000" cy="9144000"/>
@@ -127,6 +128,7 @@
             <p14:sldId id="262"/>
             <p14:sldId id="261"/>
             <p14:sldId id="263"/>
+            <p14:sldId id="264"/>
           </p14:sldIdLst>
         </p14:section>
       </p14:sectionLst>
@@ -218,7 +220,7 @@
             <a:fld id="{5B5349A0-9DCA-4449-8462-5D9CB563EABC}" type="datetimeFigureOut">
               <a:rPr lang="zh-CN" altLang="en-US" smtClean="0"/>
               <a:pPr/>
-              <a:t>2013/9/5</a:t>
+              <a:t>2013-9-5</a:t>
             </a:fld>
             <a:endParaRPr lang="zh-CN" altLang="en-US"/>
           </a:p>
@@ -4473,7 +4475,7 @@
           <a:bodyPr/>
           <a:lstStyle/>
           <a:p>
-            <a:endParaRPr lang="en-US"/>
+            <a:endParaRPr lang="en-US" dirty="0"/>
           </a:p>
         </p:txBody>
       </p:sp>
@@ -5735,6 +5737,155 @@
     <p:extLst>
       <p:ext uri="{BB962C8B-B14F-4D97-AF65-F5344CB8AC3E}">
         <p14:creationId xmlns:p14="http://schemas.microsoft.com/office/powerpoint/2010/main" val="4226882380"/>
+      </p:ext>
+    </p:extLst>
+  </p:cSld>
+  <p:clrMapOvr>
+    <a:masterClrMapping/>
+  </p:clrMapOvr>
+</p:sld>
+</file>
+
+<file path=ppt/slides/slide9.xml><?xml version="1.0" encoding="utf-8"?>
+<p:sld xmlns:a="http://schemas.openxmlformats.org/drawingml/2006/main" xmlns:r="http://schemas.openxmlformats.org/officeDocument/2006/relationships" xmlns:p="http://schemas.openxmlformats.org/presentationml/2006/main">
+  <p:cSld>
+    <p:spTree>
+      <p:nvGrpSpPr>
+        <p:cNvPr id="1" name=""/>
+        <p:cNvGrpSpPr/>
+        <p:nvPr/>
+      </p:nvGrpSpPr>
+      <p:grpSpPr>
+        <a:xfrm>
+          <a:off x="0" y="0"/>
+          <a:ext cx="0" cy="0"/>
+          <a:chOff x="0" y="0"/>
+          <a:chExt cx="0" cy="0"/>
+        </a:xfrm>
+      </p:grpSpPr>
+      <p:sp>
+        <p:nvSpPr>
+          <p:cNvPr id="2" name="Title 1"/>
+          <p:cNvSpPr>
+            <a:spLocks noGrp="1"/>
+          </p:cNvSpPr>
+          <p:nvPr>
+            <p:ph type="title"/>
+          </p:nvPr>
+        </p:nvSpPr>
+        <p:spPr/>
+        <p:txBody>
+          <a:bodyPr/>
+          <a:lstStyle/>
+          <a:p>
+            <a:r>
+              <a:rPr lang="en-US" dirty="0" smtClean="0"/>
+              <a:t>Extrinsic Task</a:t>
+            </a:r>
+            <a:endParaRPr lang="en-US" dirty="0"/>
+          </a:p>
+        </p:txBody>
+      </p:sp>
+      <p:sp>
+        <p:nvSpPr>
+          <p:cNvPr id="3" name="Content Placeholder 2"/>
+          <p:cNvSpPr>
+            <a:spLocks noGrp="1"/>
+          </p:cNvSpPr>
+          <p:nvPr>
+            <p:ph idx="1"/>
+          </p:nvPr>
+        </p:nvSpPr>
+        <p:spPr/>
+        <p:txBody>
+          <a:bodyPr/>
+          <a:lstStyle/>
+          <a:p>
+            <a:r>
+              <a:rPr lang="en-US" dirty="0" smtClean="0"/>
+              <a:t>Semantic Role Labeling</a:t>
+            </a:r>
+          </a:p>
+          <a:p>
+            <a:pPr lvl="1"/>
+            <a:r>
+              <a:rPr lang="en-US" dirty="0"/>
+              <a:t>CoNLL-2004 and CoNLL-2005 Shared Tasks</a:t>
+            </a:r>
+          </a:p>
+          <a:p>
+            <a:r>
+              <a:rPr lang="en-US" dirty="0" smtClean="0"/>
+              <a:t>Data</a:t>
+            </a:r>
+          </a:p>
+          <a:p>
+            <a:pPr lvl="1"/>
+            <a:r>
+              <a:rPr lang="en-US" dirty="0" err="1">
+                <a:hlinkClick r:id="rId2"/>
+              </a:rPr>
+              <a:t>PropBank</a:t>
+            </a:r>
+            <a:r>
+              <a:rPr lang="en-US" dirty="0"/>
+              <a:t> </a:t>
+            </a:r>
+            <a:endParaRPr lang="en-US" dirty="0"/>
+          </a:p>
+        </p:txBody>
+      </p:sp>
+      <p:sp>
+        <p:nvSpPr>
+          <p:cNvPr id="4" name="Date Placeholder 3"/>
+          <p:cNvSpPr>
+            <a:spLocks noGrp="1"/>
+          </p:cNvSpPr>
+          <p:nvPr>
+            <p:ph type="dt" sz="half" idx="10"/>
+          </p:nvPr>
+        </p:nvSpPr>
+        <p:spPr/>
+        <p:txBody>
+          <a:bodyPr/>
+          <a:lstStyle/>
+          <a:p>
+            <a:fld id="{6959E496-CF3D-48F2-BFA0-C6349C991B72}" type="datetime1">
+              <a:rPr lang="en-US" altLang="zh-CN" smtClean="0"/>
+              <a:t>9/5/2013</a:t>
+            </a:fld>
+            <a:endParaRPr lang="zh-CN" altLang="en-US"/>
+          </a:p>
+        </p:txBody>
+      </p:sp>
+      <p:sp>
+        <p:nvSpPr>
+          <p:cNvPr id="5" name="Slide Number Placeholder 4"/>
+          <p:cNvSpPr>
+            <a:spLocks noGrp="1"/>
+          </p:cNvSpPr>
+          <p:nvPr>
+            <p:ph type="sldNum" sz="quarter" idx="12"/>
+          </p:nvPr>
+        </p:nvSpPr>
+        <p:spPr/>
+        <p:txBody>
+          <a:bodyPr/>
+          <a:lstStyle/>
+          <a:p>
+            <a:fld id="{0C913308-F349-4B6D-A68A-DD1791B4A57B}" type="slidenum">
+              <a:rPr lang="zh-CN" altLang="en-US" smtClean="0"/>
+              <a:pPr/>
+              <a:t>9</a:t>
+            </a:fld>
+            <a:endParaRPr lang="zh-CN" altLang="en-US"/>
+          </a:p>
+        </p:txBody>
+      </p:sp>
+    </p:spTree>
+    <p:extLst>
+      <p:ext uri="{BB962C8B-B14F-4D97-AF65-F5344CB8AC3E}">
+        <p14:creationId xmlns:p14="http://schemas.microsoft.com/office/powerpoint/2010/main" val="1180714160"/>
       </p:ext>
     </p:extLst>
   </p:cSld>

--- a/doc/More Ideas-Wencan.pptx
+++ b/doc/More Ideas-Wencan.pptx
@@ -5,18 +5,20 @@
     <p:sldMasterId id="2147483672" r:id="rId1"/>
   </p:sldMasterIdLst>
   <p:notesMasterIdLst>
-    <p:notesMasterId r:id="rId11"/>
+    <p:notesMasterId r:id="rId13"/>
   </p:notesMasterIdLst>
   <p:sldIdLst>
     <p:sldId id="256" r:id="rId2"/>
     <p:sldId id="257" r:id="rId3"/>
     <p:sldId id="258" r:id="rId4"/>
-    <p:sldId id="259" r:id="rId5"/>
-    <p:sldId id="260" r:id="rId6"/>
-    <p:sldId id="262" r:id="rId7"/>
-    <p:sldId id="261" r:id="rId8"/>
-    <p:sldId id="263" r:id="rId9"/>
-    <p:sldId id="264" r:id="rId10"/>
+    <p:sldId id="265" r:id="rId5"/>
+    <p:sldId id="259" r:id="rId6"/>
+    <p:sldId id="266" r:id="rId7"/>
+    <p:sldId id="260" r:id="rId8"/>
+    <p:sldId id="262" r:id="rId9"/>
+    <p:sldId id="261" r:id="rId10"/>
+    <p:sldId id="263" r:id="rId11"/>
+    <p:sldId id="264" r:id="rId12"/>
   </p:sldIdLst>
   <p:sldSz cx="9144000" cy="6858000" type="screen4x3"/>
   <p:notesSz cx="6858000" cy="9144000"/>
@@ -123,7 +125,9 @@
             <p14:sldId id="256"/>
             <p14:sldId id="257"/>
             <p14:sldId id="258"/>
+            <p14:sldId id="265"/>
             <p14:sldId id="259"/>
+            <p14:sldId id="266"/>
             <p14:sldId id="260"/>
             <p14:sldId id="262"/>
             <p14:sldId id="261"/>
@@ -220,7 +224,7 @@
             <a:fld id="{5B5349A0-9DCA-4449-8462-5D9CB563EABC}" type="datetimeFigureOut">
               <a:rPr lang="zh-CN" altLang="en-US" smtClean="0"/>
               <a:pPr/>
-              <a:t>2013-9-5</a:t>
+              <a:t>2013/9/6</a:t>
             </a:fld>
             <a:endParaRPr lang="zh-CN" altLang="en-US"/>
           </a:p>
@@ -620,12 +624,11 @@
           <a:bodyPr/>
           <a:lstStyle/>
           <a:p>
-            <a:endParaRPr lang="en-US" dirty="0" smtClean="0"/>
-          </a:p>
-          <a:p>
-            <a:r>
-              <a:rPr lang="en-US" dirty="0" smtClean="0"/>
-              <a:t>speech spectrum, spectrogram</a:t>
+            <a:r>
+              <a:rPr lang="en-US" dirty="0" smtClean="0">
+                <a:hlinkClick r:id="rId3"/>
+              </a:rPr>
+              <a:t>http://smallbusiness.chron.com/5-different-types-leadership-styles-17584.html</a:t>
             </a:r>
             <a:endParaRPr lang="en-US" dirty="0"/>
           </a:p>
@@ -658,7 +661,7 @@
     </p:spTree>
     <p:extLst>
       <p:ext uri="{BB962C8B-B14F-4D97-AF65-F5344CB8AC3E}">
-        <p14:creationId xmlns:p14="http://schemas.microsoft.com/office/powerpoint/2010/main" val="1870792886"/>
+        <p14:creationId xmlns:p14="http://schemas.microsoft.com/office/powerpoint/2010/main" val="3192356641"/>
       </p:ext>
     </p:extLst>
   </p:cSld>
@@ -712,6 +715,98 @@
           <a:bodyPr/>
           <a:lstStyle/>
           <a:p>
+            <a:endParaRPr lang="en-US" dirty="0" smtClean="0"/>
+          </a:p>
+          <a:p>
+            <a:r>
+              <a:rPr lang="en-US" dirty="0" smtClean="0"/>
+              <a:t>speech spectrum, spectrogram</a:t>
+            </a:r>
+            <a:endParaRPr lang="en-US" dirty="0"/>
+          </a:p>
+        </p:txBody>
+      </p:sp>
+      <p:sp>
+        <p:nvSpPr>
+          <p:cNvPr id="4" name="Slide Number Placeholder 3"/>
+          <p:cNvSpPr>
+            <a:spLocks noGrp="1"/>
+          </p:cNvSpPr>
+          <p:nvPr>
+            <p:ph type="sldNum" sz="quarter" idx="10"/>
+          </p:nvPr>
+        </p:nvSpPr>
+        <p:spPr/>
+        <p:txBody>
+          <a:bodyPr/>
+          <a:lstStyle/>
+          <a:p>
+            <a:fld id="{0C476553-5B91-4449-9B02-3D0658743E32}" type="slidenum">
+              <a:rPr lang="zh-CN" altLang="en-US" smtClean="0"/>
+              <a:pPr/>
+              <a:t>7</a:t>
+            </a:fld>
+            <a:endParaRPr lang="zh-CN" altLang="en-US"/>
+          </a:p>
+        </p:txBody>
+      </p:sp>
+    </p:spTree>
+    <p:extLst>
+      <p:ext uri="{BB962C8B-B14F-4D97-AF65-F5344CB8AC3E}">
+        <p14:creationId xmlns:p14="http://schemas.microsoft.com/office/powerpoint/2010/main" val="1870792886"/>
+      </p:ext>
+    </p:extLst>
+  </p:cSld>
+  <p:clrMapOvr>
+    <a:masterClrMapping/>
+  </p:clrMapOvr>
+</p:notes>
+</file>
+
+<file path=ppt/notesSlides/notesSlide4.xml><?xml version="1.0" encoding="utf-8"?>
+<p:notes xmlns:a="http://schemas.openxmlformats.org/drawingml/2006/main" xmlns:r="http://schemas.openxmlformats.org/officeDocument/2006/relationships" xmlns:p="http://schemas.openxmlformats.org/presentationml/2006/main">
+  <p:cSld>
+    <p:spTree>
+      <p:nvGrpSpPr>
+        <p:cNvPr id="1" name=""/>
+        <p:cNvGrpSpPr/>
+        <p:nvPr/>
+      </p:nvGrpSpPr>
+      <p:grpSpPr>
+        <a:xfrm>
+          <a:off x="0" y="0"/>
+          <a:ext cx="0" cy="0"/>
+          <a:chOff x="0" y="0"/>
+          <a:chExt cx="0" cy="0"/>
+        </a:xfrm>
+      </p:grpSpPr>
+      <p:sp>
+        <p:nvSpPr>
+          <p:cNvPr id="2" name="Slide Image Placeholder 1"/>
+          <p:cNvSpPr>
+            <a:spLocks noGrp="1" noRot="1" noChangeAspect="1"/>
+          </p:cNvSpPr>
+          <p:nvPr>
+            <p:ph type="sldImg"/>
+          </p:nvPr>
+        </p:nvSpPr>
+        <p:spPr/>
+      </p:sp>
+      <p:sp>
+        <p:nvSpPr>
+          <p:cNvPr id="3" name="Notes Placeholder 2"/>
+          <p:cNvSpPr>
+            <a:spLocks noGrp="1"/>
+          </p:cNvSpPr>
+          <p:nvPr>
+            <p:ph type="body" idx="1"/>
+          </p:nvPr>
+        </p:nvSpPr>
+        <p:spPr/>
+        <p:txBody>
+          <a:bodyPr/>
+          <a:lstStyle/>
+          <a:p>
             <a:pPr marL="0" marR="0" indent="0" algn="l" defTabSz="914400" rtl="0" eaLnBrk="1" fontAlgn="auto" latinLnBrk="0" hangingPunct="1">
               <a:lnSpc>
                 <a:spcPct val="100000"/>
@@ -757,7 +852,7 @@
             <a:fld id="{0C476553-5B91-4449-9B02-3D0658743E32}" type="slidenum">
               <a:rPr lang="zh-CN" altLang="en-US" smtClean="0"/>
               <a:pPr/>
-              <a:t>7</a:t>
+              <a:t>9</a:t>
             </a:fld>
             <a:endParaRPr lang="zh-CN" altLang="en-US"/>
           </a:p>
@@ -885,7 +980,7 @@
           <a:p>
             <a:fld id="{D846AF20-B9EC-4A45-8FF1-76CECADEFB64}" type="datetime1">
               <a:rPr lang="en-US" altLang="zh-CN" smtClean="0"/>
-              <a:t>9/5/2013</a:t>
+              <a:t>9/6/2013</a:t>
             </a:fld>
             <a:endParaRPr lang="zh-CN" altLang="en-US"/>
           </a:p>
@@ -1168,7 +1263,7 @@
           <a:p>
             <a:fld id="{F7B163B6-AF74-4234-ABAC-C360ED2A8456}" type="datetime1">
               <a:rPr lang="en-US" altLang="zh-CN" smtClean="0"/>
-              <a:t>9/5/2013</a:t>
+              <a:t>9/6/2013</a:t>
             </a:fld>
             <a:endParaRPr lang="zh-CN" altLang="en-US"/>
           </a:p>
@@ -1356,7 +1451,7 @@
           <a:p>
             <a:fld id="{6558C3B2-6DBE-4DA6-B533-02A08D98A0A5}" type="datetime1">
               <a:rPr lang="en-US" altLang="zh-CN" smtClean="0"/>
-              <a:t>9/5/2013</a:t>
+              <a:t>9/6/2013</a:t>
             </a:fld>
             <a:endParaRPr lang="zh-CN" altLang="en-US"/>
           </a:p>
@@ -1534,7 +1629,7 @@
           <a:p>
             <a:fld id="{6959E496-CF3D-48F2-BFA0-C6349C991B72}" type="datetime1">
               <a:rPr lang="en-US" altLang="zh-CN" smtClean="0"/>
-              <a:t>9/5/2013</a:t>
+              <a:t>9/6/2013</a:t>
             </a:fld>
             <a:endParaRPr lang="zh-CN" altLang="en-US"/>
           </a:p>
@@ -1734,7 +1829,7 @@
           <a:p>
             <a:fld id="{647673D7-EF01-43FE-9D1F-D76FDC445BF2}" type="datetime1">
               <a:rPr lang="en-US" altLang="zh-CN" smtClean="0"/>
-              <a:t>9/5/2013</a:t>
+              <a:t>9/6/2013</a:t>
             </a:fld>
             <a:endParaRPr lang="zh-CN" altLang="en-US"/>
           </a:p>
@@ -2030,7 +2125,7 @@
           <a:p>
             <a:fld id="{FCE8BC7B-B4D5-4CBE-818A-24D402084700}" type="datetime1">
               <a:rPr lang="en-US" altLang="zh-CN" smtClean="0"/>
-              <a:t>9/5/2013</a:t>
+              <a:t>9/6/2013</a:t>
             </a:fld>
             <a:endParaRPr lang="zh-CN" altLang="en-US"/>
           </a:p>
@@ -2465,7 +2560,7 @@
           <a:p>
             <a:fld id="{3167F8EB-8259-4FC1-9500-8810A0DE0DCC}" type="datetime1">
               <a:rPr lang="en-US" altLang="zh-CN" smtClean="0"/>
-              <a:t>9/5/2013</a:t>
+              <a:t>9/6/2013</a:t>
             </a:fld>
             <a:endParaRPr lang="zh-CN" altLang="en-US"/>
           </a:p>
@@ -2591,7 +2686,7 @@
           <a:p>
             <a:fld id="{DF43F75C-A58C-475C-9F4A-154231F880D5}" type="datetime1">
               <a:rPr lang="en-US" altLang="zh-CN" smtClean="0"/>
-              <a:t>9/5/2013</a:t>
+              <a:t>9/6/2013</a:t>
             </a:fld>
             <a:endParaRPr lang="zh-CN" altLang="en-US"/>
           </a:p>
@@ -2694,7 +2789,7 @@
           <a:p>
             <a:fld id="{CAEBC099-DF8E-4AFC-A8A1-586DC33AAB2D}" type="datetime1">
               <a:rPr lang="en-US" altLang="zh-CN" smtClean="0"/>
-              <a:t>9/5/2013</a:t>
+              <a:t>9/6/2013</a:t>
             </a:fld>
             <a:endParaRPr lang="zh-CN" altLang="en-US"/>
           </a:p>
@@ -2979,7 +3074,7 @@
           <a:p>
             <a:fld id="{0FECED00-6F81-4F38-A553-4F839DD302A1}" type="datetime1">
               <a:rPr lang="en-US" altLang="zh-CN" smtClean="0"/>
-              <a:t>9/5/2013</a:t>
+              <a:t>9/6/2013</a:t>
             </a:fld>
             <a:endParaRPr lang="zh-CN" altLang="en-US"/>
           </a:p>
@@ -3244,7 +3339,7 @@
           <a:p>
             <a:fld id="{D70A0996-5443-45F5-BB0E-8EF910594B35}" type="datetime1">
               <a:rPr lang="en-US" altLang="zh-CN" smtClean="0"/>
-              <a:t>9/5/2013</a:t>
+              <a:t>9/6/2013</a:t>
             </a:fld>
             <a:endParaRPr lang="zh-CN" altLang="en-US"/>
           </a:p>
@@ -3577,7 +3672,7 @@
           <a:p>
             <a:fld id="{16AFAD0A-34F9-4C29-9F52-5A12662E7BF1}" type="datetime1">
               <a:rPr lang="en-US" altLang="zh-CN" smtClean="0"/>
-              <a:t>9/5/2013</a:t>
+              <a:t>9/6/2013</a:t>
             </a:fld>
             <a:endParaRPr lang="zh-CN" altLang="en-US"/>
           </a:p>
@@ -4224,7 +4319,7 @@
           <a:p>
             <a:fld id="{358704F0-97AF-4297-9BFE-D0AC02A0C7D1}" type="datetime1">
               <a:rPr lang="en-US" altLang="zh-CN" smtClean="0"/>
-              <a:t>9/5/2013</a:t>
+              <a:t>9/6/2013</a:t>
             </a:fld>
             <a:endParaRPr lang="zh-CN" altLang="en-US"/>
           </a:p>
@@ -4266,6 +4361,319 @@
       </p:par>
     </p:tnLst>
   </p:timing>
+</p:sld>
+</file>
+
+<file path=ppt/slides/slide10.xml><?xml version="1.0" encoding="utf-8"?>
+<p:sld xmlns:a="http://schemas.openxmlformats.org/drawingml/2006/main" xmlns:r="http://schemas.openxmlformats.org/officeDocument/2006/relationships" xmlns:p="http://schemas.openxmlformats.org/presentationml/2006/main">
+  <p:cSld>
+    <p:spTree>
+      <p:nvGrpSpPr>
+        <p:cNvPr id="1" name=""/>
+        <p:cNvGrpSpPr/>
+        <p:nvPr/>
+      </p:nvGrpSpPr>
+      <p:grpSpPr>
+        <a:xfrm>
+          <a:off x="0" y="0"/>
+          <a:ext cx="0" cy="0"/>
+          <a:chOff x="0" y="0"/>
+          <a:chExt cx="0" cy="0"/>
+        </a:xfrm>
+      </p:grpSpPr>
+      <p:sp>
+        <p:nvSpPr>
+          <p:cNvPr id="2" name="Title 1"/>
+          <p:cNvSpPr>
+            <a:spLocks noGrp="1"/>
+          </p:cNvSpPr>
+          <p:nvPr>
+            <p:ph type="title"/>
+          </p:nvPr>
+        </p:nvSpPr>
+        <p:spPr/>
+        <p:txBody>
+          <a:bodyPr/>
+          <a:lstStyle/>
+          <a:p>
+            <a:r>
+              <a:rPr lang="en-US" dirty="0" smtClean="0"/>
+              <a:t>Word Clustering Methods</a:t>
+            </a:r>
+            <a:endParaRPr lang="en-US" dirty="0"/>
+          </a:p>
+        </p:txBody>
+      </p:sp>
+      <p:sp>
+        <p:nvSpPr>
+          <p:cNvPr id="3" name="Content Placeholder 2"/>
+          <p:cNvSpPr>
+            <a:spLocks noGrp="1"/>
+          </p:cNvSpPr>
+          <p:nvPr>
+            <p:ph idx="1"/>
+          </p:nvPr>
+        </p:nvSpPr>
+        <p:spPr/>
+        <p:txBody>
+          <a:bodyPr/>
+          <a:lstStyle/>
+          <a:p>
+            <a:r>
+              <a:rPr lang="en-US" dirty="0" smtClean="0">
+                <a:hlinkClick r:id="rId2"/>
+              </a:rPr>
+              <a:t>Brown et al., 1992</a:t>
+            </a:r>
+            <a:endParaRPr lang="en-US" dirty="0" smtClean="0"/>
+          </a:p>
+          <a:p>
+            <a:r>
+              <a:rPr lang="en-US" dirty="0" smtClean="0"/>
+              <a:t>LSA</a:t>
+            </a:r>
+          </a:p>
+          <a:p>
+            <a:r>
+              <a:rPr lang="en-US" dirty="0" smtClean="0">
+                <a:hlinkClick r:id="rId3"/>
+              </a:rPr>
+              <a:t>LDA</a:t>
+            </a:r>
+            <a:endParaRPr lang="en-US" dirty="0" smtClean="0"/>
+          </a:p>
+          <a:p>
+            <a:r>
+              <a:rPr lang="en-US" dirty="0" smtClean="0">
+                <a:hlinkClick r:id="rId4"/>
+              </a:rPr>
+              <a:t>Deep Learning</a:t>
+            </a:r>
+            <a:endParaRPr lang="en-US" dirty="0" smtClean="0"/>
+          </a:p>
+          <a:p>
+            <a:r>
+              <a:rPr lang="en-US" dirty="0" smtClean="0"/>
+              <a:t>Others</a:t>
+            </a:r>
+          </a:p>
+          <a:p>
+            <a:pPr lvl="1"/>
+            <a:r>
+              <a:rPr lang="en-US" dirty="0" smtClean="0">
+                <a:hlinkClick r:id="rId5"/>
+              </a:rPr>
+              <a:t>Maas et al., 2012</a:t>
+            </a:r>
+            <a:endParaRPr lang="en-US" dirty="0"/>
+          </a:p>
+        </p:txBody>
+      </p:sp>
+      <p:sp>
+        <p:nvSpPr>
+          <p:cNvPr id="4" name="Date Placeholder 3"/>
+          <p:cNvSpPr>
+            <a:spLocks noGrp="1"/>
+          </p:cNvSpPr>
+          <p:nvPr>
+            <p:ph type="dt" sz="half" idx="10"/>
+          </p:nvPr>
+        </p:nvSpPr>
+        <p:spPr/>
+        <p:txBody>
+          <a:bodyPr/>
+          <a:lstStyle/>
+          <a:p>
+            <a:fld id="{6959E496-CF3D-48F2-BFA0-C6349C991B72}" type="datetime1">
+              <a:rPr lang="en-US" altLang="zh-CN" smtClean="0"/>
+              <a:t>9/6/2013</a:t>
+            </a:fld>
+            <a:endParaRPr lang="zh-CN" altLang="en-US"/>
+          </a:p>
+        </p:txBody>
+      </p:sp>
+      <p:sp>
+        <p:nvSpPr>
+          <p:cNvPr id="5" name="Slide Number Placeholder 4"/>
+          <p:cNvSpPr>
+            <a:spLocks noGrp="1"/>
+          </p:cNvSpPr>
+          <p:nvPr>
+            <p:ph type="sldNum" sz="quarter" idx="12"/>
+          </p:nvPr>
+        </p:nvSpPr>
+        <p:spPr/>
+        <p:txBody>
+          <a:bodyPr/>
+          <a:lstStyle/>
+          <a:p>
+            <a:fld id="{0C913308-F349-4B6D-A68A-DD1791B4A57B}" type="slidenum">
+              <a:rPr lang="zh-CN" altLang="en-US" smtClean="0"/>
+              <a:pPr/>
+              <a:t>10</a:t>
+            </a:fld>
+            <a:endParaRPr lang="zh-CN" altLang="en-US"/>
+          </a:p>
+        </p:txBody>
+      </p:sp>
+    </p:spTree>
+    <p:extLst>
+      <p:ext uri="{BB962C8B-B14F-4D97-AF65-F5344CB8AC3E}">
+        <p14:creationId xmlns:p14="http://schemas.microsoft.com/office/powerpoint/2010/main" val="4226882380"/>
+      </p:ext>
+    </p:extLst>
+  </p:cSld>
+  <p:clrMapOvr>
+    <a:masterClrMapping/>
+  </p:clrMapOvr>
+</p:sld>
+</file>
+
+<file path=ppt/slides/slide11.xml><?xml version="1.0" encoding="utf-8"?>
+<p:sld xmlns:a="http://schemas.openxmlformats.org/drawingml/2006/main" xmlns:r="http://schemas.openxmlformats.org/officeDocument/2006/relationships" xmlns:p="http://schemas.openxmlformats.org/presentationml/2006/main">
+  <p:cSld>
+    <p:spTree>
+      <p:nvGrpSpPr>
+        <p:cNvPr id="1" name=""/>
+        <p:cNvGrpSpPr/>
+        <p:nvPr/>
+      </p:nvGrpSpPr>
+      <p:grpSpPr>
+        <a:xfrm>
+          <a:off x="0" y="0"/>
+          <a:ext cx="0" cy="0"/>
+          <a:chOff x="0" y="0"/>
+          <a:chExt cx="0" cy="0"/>
+        </a:xfrm>
+      </p:grpSpPr>
+      <p:sp>
+        <p:nvSpPr>
+          <p:cNvPr id="2" name="Title 1"/>
+          <p:cNvSpPr>
+            <a:spLocks noGrp="1"/>
+          </p:cNvSpPr>
+          <p:nvPr>
+            <p:ph type="title"/>
+          </p:nvPr>
+        </p:nvSpPr>
+        <p:spPr/>
+        <p:txBody>
+          <a:bodyPr/>
+          <a:lstStyle/>
+          <a:p>
+            <a:r>
+              <a:rPr lang="en-US" dirty="0" smtClean="0"/>
+              <a:t>Extrinsic Task</a:t>
+            </a:r>
+            <a:endParaRPr lang="en-US" dirty="0"/>
+          </a:p>
+        </p:txBody>
+      </p:sp>
+      <p:sp>
+        <p:nvSpPr>
+          <p:cNvPr id="3" name="Content Placeholder 2"/>
+          <p:cNvSpPr>
+            <a:spLocks noGrp="1"/>
+          </p:cNvSpPr>
+          <p:nvPr>
+            <p:ph idx="1"/>
+          </p:nvPr>
+        </p:nvSpPr>
+        <p:spPr/>
+        <p:txBody>
+          <a:bodyPr/>
+          <a:lstStyle/>
+          <a:p>
+            <a:r>
+              <a:rPr lang="en-US" dirty="0" smtClean="0"/>
+              <a:t>Semantic Role Labeling</a:t>
+            </a:r>
+          </a:p>
+          <a:p>
+            <a:pPr lvl="1"/>
+            <a:r>
+              <a:rPr lang="en-US" dirty="0"/>
+              <a:t>CoNLL-2004 and CoNLL-2005 Shared Tasks</a:t>
+            </a:r>
+          </a:p>
+          <a:p>
+            <a:r>
+              <a:rPr lang="en-US" dirty="0" smtClean="0"/>
+              <a:t>Data</a:t>
+            </a:r>
+          </a:p>
+          <a:p>
+            <a:pPr lvl="1"/>
+            <a:r>
+              <a:rPr lang="en-US" dirty="0" err="1">
+                <a:hlinkClick r:id="rId2"/>
+              </a:rPr>
+              <a:t>PropBank</a:t>
+            </a:r>
+            <a:r>
+              <a:rPr lang="en-US" dirty="0"/>
+              <a:t> </a:t>
+            </a:r>
+          </a:p>
+        </p:txBody>
+      </p:sp>
+      <p:sp>
+        <p:nvSpPr>
+          <p:cNvPr id="4" name="Date Placeholder 3"/>
+          <p:cNvSpPr>
+            <a:spLocks noGrp="1"/>
+          </p:cNvSpPr>
+          <p:nvPr>
+            <p:ph type="dt" sz="half" idx="10"/>
+          </p:nvPr>
+        </p:nvSpPr>
+        <p:spPr/>
+        <p:txBody>
+          <a:bodyPr/>
+          <a:lstStyle/>
+          <a:p>
+            <a:fld id="{6959E496-CF3D-48F2-BFA0-C6349C991B72}" type="datetime1">
+              <a:rPr lang="en-US" altLang="zh-CN" smtClean="0"/>
+              <a:t>9/6/2013</a:t>
+            </a:fld>
+            <a:endParaRPr lang="zh-CN" altLang="en-US"/>
+          </a:p>
+        </p:txBody>
+      </p:sp>
+      <p:sp>
+        <p:nvSpPr>
+          <p:cNvPr id="5" name="Slide Number Placeholder 4"/>
+          <p:cNvSpPr>
+            <a:spLocks noGrp="1"/>
+          </p:cNvSpPr>
+          <p:nvPr>
+            <p:ph type="sldNum" sz="quarter" idx="12"/>
+          </p:nvPr>
+        </p:nvSpPr>
+        <p:spPr/>
+        <p:txBody>
+          <a:bodyPr/>
+          <a:lstStyle/>
+          <a:p>
+            <a:fld id="{0C913308-F349-4B6D-A68A-DD1791B4A57B}" type="slidenum">
+              <a:rPr lang="zh-CN" altLang="en-US" smtClean="0"/>
+              <a:pPr/>
+              <a:t>11</a:t>
+            </a:fld>
+            <a:endParaRPr lang="zh-CN" altLang="en-US"/>
+          </a:p>
+        </p:txBody>
+      </p:sp>
+    </p:spTree>
+    <p:extLst>
+      <p:ext uri="{BB962C8B-B14F-4D97-AF65-F5344CB8AC3E}">
+        <p14:creationId xmlns:p14="http://schemas.microsoft.com/office/powerpoint/2010/main" val="1180714160"/>
+      </p:ext>
+    </p:extLst>
+  </p:cSld>
+  <p:clrMapOvr>
+    <a:masterClrMapping/>
+  </p:clrMapOvr>
 </p:sld>
 </file>
 
@@ -4377,7 +4785,7 @@
           <a:p>
             <a:fld id="{6959E496-CF3D-48F2-BFA0-C6349C991B72}" type="datetime1">
               <a:rPr lang="en-US" altLang="zh-CN" smtClean="0"/>
-              <a:t>9/5/2013</a:t>
+              <a:t>9/6/2013</a:t>
             </a:fld>
             <a:endParaRPr lang="zh-CN" altLang="en-US"/>
           </a:p>
@@ -4475,6 +4883,15 @@
           <a:bodyPr/>
           <a:lstStyle/>
           <a:p>
+            <a:r>
+              <a:rPr lang="en-US" dirty="0" smtClean="0"/>
+              <a:t>Examples</a:t>
+            </a:r>
+          </a:p>
+          <a:p>
+            <a:pPr marL="0" indent="0">
+              <a:buNone/>
+            </a:pPr>
             <a:endParaRPr lang="en-US" dirty="0"/>
           </a:p>
         </p:txBody>
@@ -4496,7 +4913,7 @@
           <a:p>
             <a:fld id="{6959E496-CF3D-48F2-BFA0-C6349C991B72}" type="datetime1">
               <a:rPr lang="en-US" altLang="zh-CN" smtClean="0"/>
-              <a:t>9/5/2013</a:t>
+              <a:t>9/6/2013</a:t>
             </a:fld>
             <a:endParaRPr lang="zh-CN" altLang="en-US"/>
           </a:p>
@@ -4526,6 +4943,70 @@
           </a:p>
         </p:txBody>
       </p:sp>
+      <p:pic>
+        <p:nvPicPr>
+          <p:cNvPr id="1028" name="Picture 4"/>
+          <p:cNvPicPr>
+            <a:picLocks noChangeAspect="1" noChangeArrowheads="1"/>
+          </p:cNvPicPr>
+          <p:nvPr/>
+        </p:nvPicPr>
+        <p:blipFill>
+          <a:blip r:embed="rId2">
+            <a:extLst>
+              <a:ext uri="{28A0092B-C50C-407E-A947-70E740481C1C}">
+                <a14:useLocalDpi xmlns:a14="http://schemas.microsoft.com/office/drawing/2010/main" val="0"/>
+              </a:ext>
+            </a:extLst>
+          </a:blip>
+          <a:srcRect/>
+          <a:stretch>
+            <a:fillRect/>
+          </a:stretch>
+        </p:blipFill>
+        <p:spPr bwMode="auto">
+          <a:xfrm>
+            <a:off x="971600" y="2023304"/>
+            <a:ext cx="6552728" cy="4422357"/>
+          </a:xfrm>
+          <a:prstGeom prst="rect">
+            <a:avLst/>
+          </a:prstGeom>
+          <a:noFill/>
+          <a:ln>
+            <a:noFill/>
+          </a:ln>
+          <a:effectLst/>
+          <a:extLst>
+            <a:ext uri="{909E8E84-426E-40DD-AFC4-6F175D3DCCD1}">
+              <a14:hiddenFill xmlns:a14="http://schemas.microsoft.com/office/drawing/2010/main">
+                <a:solidFill>
+                  <a:schemeClr val="accent1"/>
+                </a:solidFill>
+              </a14:hiddenFill>
+            </a:ext>
+            <a:ext uri="{91240B29-F687-4F45-9708-019B960494DF}">
+              <a14:hiddenLine xmlns:a14="http://schemas.microsoft.com/office/drawing/2010/main" w="9525">
+                <a:solidFill>
+                  <a:schemeClr val="tx1"/>
+                </a:solidFill>
+                <a:miter lim="800000"/>
+                <a:headEnd/>
+                <a:tailEnd/>
+              </a14:hiddenLine>
+            </a:ext>
+            <a:ext uri="{AF507438-7753-43E0-B8FC-AC1667EBCBE1}">
+              <a14:hiddenEffects xmlns:a14="http://schemas.microsoft.com/office/drawing/2010/main">
+                <a:effectLst>
+                  <a:outerShdw dist="35921" dir="2700000" algn="ctr" rotWithShape="0">
+                    <a:schemeClr val="bg2"/>
+                  </a:outerShdw>
+                </a:effectLst>
+              </a14:hiddenEffects>
+            </a:ext>
+          </a:extLst>
+        </p:spPr>
+      </p:pic>
     </p:spTree>
     <p:extLst>
       <p:ext uri="{BB962C8B-B14F-4D97-AF65-F5344CB8AC3E}">
@@ -4572,10 +5053,10 @@
           <a:lstStyle/>
           <a:p>
             <a:r>
-              <a:rPr lang="en-US" sz="3200" dirty="0" smtClean="0"/>
-              <a:t>II: Graph Modeling of Team Cooperation</a:t>
-            </a:r>
-            <a:endParaRPr lang="en-US" sz="3200" dirty="0"/>
+              <a:rPr lang="en-US" dirty="0" smtClean="0"/>
+              <a:t>The Corpus</a:t>
+            </a:r>
+            <a:endParaRPr lang="en-US" dirty="0"/>
           </a:p>
         </p:txBody>
       </p:sp>
@@ -4595,12 +5076,61 @@
           <a:lstStyle/>
           <a:p>
             <a:r>
+              <a:rPr lang="en-US" dirty="0"/>
+              <a:t>The Pitt </a:t>
+            </a:r>
+            <a:r>
+              <a:rPr lang="en-US" dirty="0" err="1"/>
+              <a:t>Eng</a:t>
+            </a:r>
+            <a:endParaRPr lang="en-US" dirty="0"/>
+          </a:p>
+          <a:p>
+            <a:pPr lvl="1"/>
+            <a:r>
+              <a:rPr lang="en-US" dirty="0"/>
+              <a:t>1403 of 45,766 are annotated as Conflict</a:t>
+            </a:r>
+          </a:p>
+          <a:p>
+            <a:pPr lvl="1"/>
+            <a:r>
+              <a:rPr lang="en-US" dirty="0"/>
+              <a:t>1144 high, 192 low, others are unknown</a:t>
+            </a:r>
+          </a:p>
+          <a:p>
+            <a:r>
               <a:rPr lang="en-US" dirty="0" smtClean="0"/>
-              <a:t>5 </a:t>
-            </a:r>
-            <a:r>
-              <a:rPr lang="en-US" dirty="0"/>
-              <a:t>Different Types of Leadership</a:t>
+              <a:t>Challenges</a:t>
+            </a:r>
+          </a:p>
+          <a:p>
+            <a:pPr lvl="1"/>
+            <a:r>
+              <a:rPr lang="en-US" dirty="0" smtClean="0"/>
+              <a:t>Semantic Involved</a:t>
+            </a:r>
+          </a:p>
+          <a:p>
+            <a:pPr lvl="2"/>
+            <a:r>
+              <a:rPr lang="en-US" dirty="0" smtClean="0"/>
+              <a:t>“you are insane”</a:t>
+            </a:r>
+          </a:p>
+          <a:p>
+            <a:pPr lvl="1"/>
+            <a:r>
+              <a:rPr lang="en-US" dirty="0" smtClean="0"/>
+              <a:t>Context Dependent</a:t>
+            </a:r>
+          </a:p>
+          <a:p>
+            <a:pPr lvl="2"/>
+            <a:r>
+              <a:rPr lang="en-US" dirty="0" smtClean="0"/>
+              <a:t>“No” in example 2</a:t>
             </a:r>
           </a:p>
         </p:txBody>
@@ -4622,7 +5152,7 @@
           <a:p>
             <a:fld id="{6959E496-CF3D-48F2-BFA0-C6349C991B72}" type="datetime1">
               <a:rPr lang="en-US" altLang="zh-CN" smtClean="0"/>
-              <a:t>9/5/2013</a:t>
+              <a:t>9/6/2013</a:t>
             </a:fld>
             <a:endParaRPr lang="zh-CN" altLang="en-US"/>
           </a:p>
@@ -4647,6 +5177,182 @@
               <a:rPr lang="zh-CN" altLang="en-US" smtClean="0"/>
               <a:pPr/>
               <a:t>4</a:t>
+            </a:fld>
+            <a:endParaRPr lang="zh-CN" altLang="en-US"/>
+          </a:p>
+        </p:txBody>
+      </p:sp>
+    </p:spTree>
+    <p:extLst>
+      <p:ext uri="{BB962C8B-B14F-4D97-AF65-F5344CB8AC3E}">
+        <p14:creationId xmlns:p14="http://schemas.microsoft.com/office/powerpoint/2010/main" val="2259672467"/>
+      </p:ext>
+    </p:extLst>
+  </p:cSld>
+  <p:clrMapOvr>
+    <a:masterClrMapping/>
+  </p:clrMapOvr>
+</p:sld>
+</file>
+
+<file path=ppt/slides/slide5.xml><?xml version="1.0" encoding="utf-8"?>
+<p:sld xmlns:a="http://schemas.openxmlformats.org/drawingml/2006/main" xmlns:r="http://schemas.openxmlformats.org/officeDocument/2006/relationships" xmlns:p="http://schemas.openxmlformats.org/presentationml/2006/main">
+  <p:cSld>
+    <p:spTree>
+      <p:nvGrpSpPr>
+        <p:cNvPr id="1" name=""/>
+        <p:cNvGrpSpPr/>
+        <p:nvPr/>
+      </p:nvGrpSpPr>
+      <p:grpSpPr>
+        <a:xfrm>
+          <a:off x="0" y="0"/>
+          <a:ext cx="0" cy="0"/>
+          <a:chOff x="0" y="0"/>
+          <a:chExt cx="0" cy="0"/>
+        </a:xfrm>
+      </p:grpSpPr>
+      <p:sp>
+        <p:nvSpPr>
+          <p:cNvPr id="2" name="Title 1"/>
+          <p:cNvSpPr>
+            <a:spLocks noGrp="1"/>
+          </p:cNvSpPr>
+          <p:nvPr>
+            <p:ph type="title"/>
+          </p:nvPr>
+        </p:nvSpPr>
+        <p:spPr/>
+        <p:txBody>
+          <a:bodyPr/>
+          <a:lstStyle/>
+          <a:p>
+            <a:r>
+              <a:rPr lang="en-US" sz="3200" dirty="0" smtClean="0"/>
+              <a:t>II: Graph Modeling of Team Cooperation</a:t>
+            </a:r>
+            <a:endParaRPr lang="en-US" sz="3200" dirty="0"/>
+          </a:p>
+        </p:txBody>
+      </p:sp>
+      <p:sp>
+        <p:nvSpPr>
+          <p:cNvPr id="3" name="Content Placeholder 2"/>
+          <p:cNvSpPr>
+            <a:spLocks noGrp="1"/>
+          </p:cNvSpPr>
+          <p:nvPr>
+            <p:ph idx="1"/>
+          </p:nvPr>
+        </p:nvSpPr>
+        <p:spPr/>
+        <p:txBody>
+          <a:bodyPr/>
+          <a:lstStyle/>
+          <a:p>
+            <a:r>
+              <a:rPr lang="en-US" dirty="0" smtClean="0"/>
+              <a:t>Motivation I</a:t>
+            </a:r>
+          </a:p>
+          <a:p>
+            <a:pPr lvl="1"/>
+            <a:r>
+              <a:rPr lang="en-US" dirty="0" smtClean="0"/>
+              <a:t>5 Different Types of Leadership</a:t>
+            </a:r>
+          </a:p>
+          <a:p>
+            <a:pPr lvl="2"/>
+            <a:r>
+              <a:rPr lang="en-US" dirty="0"/>
+              <a:t>Laissez-Faire</a:t>
+            </a:r>
+          </a:p>
+          <a:p>
+            <a:pPr lvl="2"/>
+            <a:r>
+              <a:rPr lang="en-US" dirty="0"/>
+              <a:t>Autocratic</a:t>
+            </a:r>
+          </a:p>
+          <a:p>
+            <a:pPr lvl="2"/>
+            <a:r>
+              <a:rPr lang="en-US" dirty="0"/>
+              <a:t>Participative</a:t>
+            </a:r>
+          </a:p>
+          <a:p>
+            <a:pPr lvl="2"/>
+            <a:r>
+              <a:rPr lang="en-US" dirty="0"/>
+              <a:t>Transactional</a:t>
+            </a:r>
+          </a:p>
+          <a:p>
+            <a:pPr lvl="2"/>
+            <a:r>
+              <a:rPr lang="en-US" dirty="0"/>
+              <a:t>Transformational</a:t>
+            </a:r>
+          </a:p>
+          <a:p>
+            <a:pPr lvl="1"/>
+            <a:r>
+              <a:rPr lang="en-US" dirty="0" smtClean="0"/>
+              <a:t>M</a:t>
+            </a:r>
+            <a:r>
+              <a:rPr lang="en-US" dirty="0" smtClean="0"/>
+              <a:t>ight can be mapped to different graph structure</a:t>
+            </a:r>
+            <a:endParaRPr lang="en-US" dirty="0"/>
+          </a:p>
+        </p:txBody>
+      </p:sp>
+      <p:sp>
+        <p:nvSpPr>
+          <p:cNvPr id="4" name="Date Placeholder 3"/>
+          <p:cNvSpPr>
+            <a:spLocks noGrp="1"/>
+          </p:cNvSpPr>
+          <p:nvPr>
+            <p:ph type="dt" sz="half" idx="10"/>
+          </p:nvPr>
+        </p:nvSpPr>
+        <p:spPr/>
+        <p:txBody>
+          <a:bodyPr/>
+          <a:lstStyle/>
+          <a:p>
+            <a:fld id="{6959E496-CF3D-48F2-BFA0-C6349C991B72}" type="datetime1">
+              <a:rPr lang="en-US" altLang="zh-CN" smtClean="0"/>
+              <a:t>9/6/2013</a:t>
+            </a:fld>
+            <a:endParaRPr lang="zh-CN" altLang="en-US"/>
+          </a:p>
+        </p:txBody>
+      </p:sp>
+      <p:sp>
+        <p:nvSpPr>
+          <p:cNvPr id="5" name="Slide Number Placeholder 4"/>
+          <p:cNvSpPr>
+            <a:spLocks noGrp="1"/>
+          </p:cNvSpPr>
+          <p:nvPr>
+            <p:ph type="sldNum" sz="quarter" idx="12"/>
+          </p:nvPr>
+        </p:nvSpPr>
+        <p:spPr/>
+        <p:txBody>
+          <a:bodyPr/>
+          <a:lstStyle/>
+          <a:p>
+            <a:fld id="{0C913308-F349-4B6D-A68A-DD1791B4A57B}" type="slidenum">
+              <a:rPr lang="zh-CN" altLang="en-US" smtClean="0"/>
+              <a:pPr/>
+              <a:t>5</a:t>
             </a:fld>
             <a:endParaRPr lang="zh-CN" altLang="en-US"/>
           </a:p>
@@ -4672,7 +5378,7 @@
 </p:sld>
 </file>
 
-<file path=ppt/slides/slide5.xml><?xml version="1.0" encoding="utf-8"?>
+<file path=ppt/slides/slide6.xml><?xml version="1.0" encoding="utf-8"?>
 <p:sld xmlns:a="http://schemas.openxmlformats.org/drawingml/2006/main" xmlns:r="http://schemas.openxmlformats.org/officeDocument/2006/relationships" xmlns:p="http://schemas.openxmlformats.org/presentationml/2006/main">
   <p:cSld>
     <p:spTree>
@@ -4705,6 +5411,221 @@
           <a:lstStyle/>
           <a:p>
             <a:r>
+              <a:rPr lang="en-US" dirty="0"/>
+              <a:t>Motivation </a:t>
+            </a:r>
+            <a:r>
+              <a:rPr lang="en-US" dirty="0" smtClean="0"/>
+              <a:t>II: Graph Theory</a:t>
+            </a:r>
+            <a:endParaRPr lang="en-US" dirty="0"/>
+          </a:p>
+        </p:txBody>
+      </p:sp>
+      <p:sp>
+        <p:nvSpPr>
+          <p:cNvPr id="3" name="Content Placeholder 2"/>
+          <p:cNvSpPr>
+            <a:spLocks noGrp="1"/>
+          </p:cNvSpPr>
+          <p:nvPr>
+            <p:ph idx="1"/>
+          </p:nvPr>
+        </p:nvSpPr>
+        <p:spPr/>
+        <p:txBody>
+          <a:bodyPr/>
+          <a:lstStyle/>
+          <a:p>
+            <a:r>
+              <a:rPr lang="en-US" dirty="0" smtClean="0">
+                <a:hlinkClick r:id="rId2"/>
+              </a:rPr>
+              <a:t>Centrality</a:t>
+            </a:r>
+            <a:endParaRPr lang="en-US" dirty="0" smtClean="0"/>
+          </a:p>
+          <a:p>
+            <a:pPr lvl="1"/>
+            <a:r>
+              <a:rPr lang="en-US" dirty="0" smtClean="0"/>
+              <a:t>Importance of a vertex</a:t>
+            </a:r>
+          </a:p>
+          <a:p>
+            <a:r>
+              <a:rPr lang="en-US" dirty="0" smtClean="0">
+                <a:hlinkClick r:id="rId3"/>
+              </a:rPr>
+              <a:t>Fairness</a:t>
+            </a:r>
+            <a:endParaRPr lang="en-US" dirty="0" smtClean="0"/>
+          </a:p>
+          <a:p>
+            <a:pPr lvl="1"/>
+            <a:r>
+              <a:rPr lang="en-US" dirty="0"/>
+              <a:t>W</a:t>
+            </a:r>
+            <a:r>
+              <a:rPr lang="en-US" dirty="0" smtClean="0"/>
+              <a:t>hether </a:t>
+            </a:r>
+            <a:r>
+              <a:rPr lang="en-US" dirty="0"/>
+              <a:t>users </a:t>
+            </a:r>
+            <a:r>
+              <a:rPr lang="en-US" dirty="0" smtClean="0"/>
+              <a:t>are </a:t>
+            </a:r>
+            <a:r>
+              <a:rPr lang="en-US" dirty="0"/>
+              <a:t>receiving a fair share of </a:t>
+            </a:r>
+            <a:r>
+              <a:rPr lang="en-US" dirty="0" smtClean="0"/>
+              <a:t>resources</a:t>
+            </a:r>
+            <a:endParaRPr lang="en-US" dirty="0"/>
+          </a:p>
+          <a:p>
+            <a:endParaRPr lang="en-US" dirty="0"/>
+          </a:p>
+        </p:txBody>
+      </p:sp>
+      <p:sp>
+        <p:nvSpPr>
+          <p:cNvPr id="4" name="Date Placeholder 3"/>
+          <p:cNvSpPr>
+            <a:spLocks noGrp="1"/>
+          </p:cNvSpPr>
+          <p:nvPr>
+            <p:ph type="dt" sz="half" idx="10"/>
+          </p:nvPr>
+        </p:nvSpPr>
+        <p:spPr/>
+        <p:txBody>
+          <a:bodyPr/>
+          <a:lstStyle/>
+          <a:p>
+            <a:fld id="{6959E496-CF3D-48F2-BFA0-C6349C991B72}" type="datetime1">
+              <a:rPr lang="en-US" altLang="zh-CN" smtClean="0"/>
+              <a:t>9/6/2013</a:t>
+            </a:fld>
+            <a:endParaRPr lang="zh-CN" altLang="en-US"/>
+          </a:p>
+        </p:txBody>
+      </p:sp>
+      <p:sp>
+        <p:nvSpPr>
+          <p:cNvPr id="5" name="Slide Number Placeholder 4"/>
+          <p:cNvSpPr>
+            <a:spLocks noGrp="1"/>
+          </p:cNvSpPr>
+          <p:nvPr>
+            <p:ph type="sldNum" sz="quarter" idx="12"/>
+          </p:nvPr>
+        </p:nvSpPr>
+        <p:spPr/>
+        <p:txBody>
+          <a:bodyPr/>
+          <a:lstStyle/>
+          <a:p>
+            <a:fld id="{0C913308-F349-4B6D-A68A-DD1791B4A57B}" type="slidenum">
+              <a:rPr lang="zh-CN" altLang="en-US" smtClean="0"/>
+              <a:pPr/>
+              <a:t>6</a:t>
+            </a:fld>
+            <a:endParaRPr lang="zh-CN" altLang="en-US"/>
+          </a:p>
+        </p:txBody>
+      </p:sp>
+      <p:pic>
+        <p:nvPicPr>
+          <p:cNvPr id="2050" name="Picture 2" descr="https://upload.wikimedia.org/wikipedia/commons/thumb/1/14/Centrality.svg/300px-Centrality.svg.png"/>
+          <p:cNvPicPr>
+            <a:picLocks noChangeAspect="1" noChangeArrowheads="1"/>
+          </p:cNvPicPr>
+          <p:nvPr/>
+        </p:nvPicPr>
+        <p:blipFill rotWithShape="1">
+          <a:blip r:embed="rId4">
+            <a:extLst>
+              <a:ext uri="{28A0092B-C50C-407E-A947-70E740481C1C}">
+                <a14:useLocalDpi xmlns:a14="http://schemas.microsoft.com/office/drawing/2010/main" val="0"/>
+              </a:ext>
+            </a:extLst>
+          </a:blip>
+          <a:srcRect r="50000" b="67183"/>
+          <a:stretch/>
+        </p:blipFill>
+        <p:spPr bwMode="auto">
+          <a:xfrm>
+            <a:off x="6482632" y="1268760"/>
+            <a:ext cx="1869943" cy="1840984"/>
+          </a:xfrm>
+          <a:prstGeom prst="rect">
+            <a:avLst/>
+          </a:prstGeom>
+          <a:noFill/>
+          <a:extLst>
+            <a:ext uri="{909E8E84-426E-40DD-AFC4-6F175D3DCCD1}">
+              <a14:hiddenFill xmlns:a14="http://schemas.microsoft.com/office/drawing/2010/main">
+                <a:solidFill>
+                  <a:srgbClr val="FFFFFF"/>
+                </a:solidFill>
+              </a14:hiddenFill>
+            </a:ext>
+          </a:extLst>
+        </p:spPr>
+      </p:pic>
+    </p:spTree>
+    <p:extLst>
+      <p:ext uri="{BB962C8B-B14F-4D97-AF65-F5344CB8AC3E}">
+        <p14:creationId xmlns:p14="http://schemas.microsoft.com/office/powerpoint/2010/main" val="4156665742"/>
+      </p:ext>
+    </p:extLst>
+  </p:cSld>
+  <p:clrMapOvr>
+    <a:masterClrMapping/>
+  </p:clrMapOvr>
+</p:sld>
+</file>
+
+<file path=ppt/slides/slide7.xml><?xml version="1.0" encoding="utf-8"?>
+<p:sld xmlns:a="http://schemas.openxmlformats.org/drawingml/2006/main" xmlns:r="http://schemas.openxmlformats.org/officeDocument/2006/relationships" xmlns:p="http://schemas.openxmlformats.org/presentationml/2006/main">
+  <p:cSld>
+    <p:spTree>
+      <p:nvGrpSpPr>
+        <p:cNvPr id="1" name=""/>
+        <p:cNvGrpSpPr/>
+        <p:nvPr/>
+      </p:nvGrpSpPr>
+      <p:grpSpPr>
+        <a:xfrm>
+          <a:off x="0" y="0"/>
+          <a:ext cx="0" cy="0"/>
+          <a:chOff x="0" y="0"/>
+          <a:chExt cx="0" cy="0"/>
+        </a:xfrm>
+      </p:grpSpPr>
+      <p:sp>
+        <p:nvSpPr>
+          <p:cNvPr id="2" name="Title 1"/>
+          <p:cNvSpPr>
+            <a:spLocks noGrp="1"/>
+          </p:cNvSpPr>
+          <p:nvPr>
+            <p:ph type="title"/>
+          </p:nvPr>
+        </p:nvSpPr>
+        <p:spPr/>
+        <p:txBody>
+          <a:bodyPr/>
+          <a:lstStyle/>
+          <a:p>
+            <a:r>
               <a:rPr lang="en-US" dirty="0" smtClean="0"/>
               <a:t>III: Picture Your Speech</a:t>
             </a:r>
@@ -4757,7 +5678,7 @@
           <a:p>
             <a:fld id="{6959E496-CF3D-48F2-BFA0-C6349C991B72}" type="datetime1">
               <a:rPr lang="en-US" altLang="zh-CN" smtClean="0"/>
-              <a:t>9/5/2013</a:t>
+              <a:t>9/6/2013</a:t>
             </a:fld>
             <a:endParaRPr lang="zh-CN" altLang="en-US"/>
           </a:p>
@@ -4786,7 +5707,7 @@
             <a:fld id="{0C913308-F349-4B6D-A68A-DD1791B4A57B}" type="slidenum">
               <a:rPr lang="zh-CN" altLang="en-US" smtClean="0"/>
               <a:pPr/>
-              <a:t>5</a:t>
+              <a:t>7</a:t>
             </a:fld>
             <a:endParaRPr lang="zh-CN" altLang="en-US"/>
           </a:p>
@@ -5269,318 +6190,6 @@
 </p:sld>
 </file>
 
-<file path=ppt/slides/slide6.xml><?xml version="1.0" encoding="utf-8"?>
-<p:sld xmlns:a="http://schemas.openxmlformats.org/drawingml/2006/main" xmlns:r="http://schemas.openxmlformats.org/officeDocument/2006/relationships" xmlns:p="http://schemas.openxmlformats.org/presentationml/2006/main">
-  <p:cSld>
-    <p:spTree>
-      <p:nvGrpSpPr>
-        <p:cNvPr id="1" name=""/>
-        <p:cNvGrpSpPr/>
-        <p:nvPr/>
-      </p:nvGrpSpPr>
-      <p:grpSpPr>
-        <a:xfrm>
-          <a:off x="0" y="0"/>
-          <a:ext cx="0" cy="0"/>
-          <a:chOff x="0" y="0"/>
-          <a:chExt cx="0" cy="0"/>
-        </a:xfrm>
-      </p:grpSpPr>
-      <p:sp>
-        <p:nvSpPr>
-          <p:cNvPr id="2" name="Title 1"/>
-          <p:cNvSpPr>
-            <a:spLocks noGrp="1"/>
-          </p:cNvSpPr>
-          <p:nvPr>
-            <p:ph type="title"/>
-          </p:nvPr>
-        </p:nvSpPr>
-        <p:spPr/>
-        <p:txBody>
-          <a:bodyPr/>
-          <a:lstStyle/>
-          <a:p>
-            <a:r>
-              <a:rPr lang="en-US" dirty="0" smtClean="0"/>
-              <a:t>Motivation</a:t>
-            </a:r>
-            <a:endParaRPr lang="en-US" dirty="0"/>
-          </a:p>
-        </p:txBody>
-      </p:sp>
-      <p:sp>
-        <p:nvSpPr>
-          <p:cNvPr id="3" name="Content Placeholder 2"/>
-          <p:cNvSpPr>
-            <a:spLocks noGrp="1"/>
-          </p:cNvSpPr>
-          <p:nvPr>
-            <p:ph idx="1"/>
-          </p:nvPr>
-        </p:nvSpPr>
-        <p:spPr/>
-        <p:txBody>
-          <a:bodyPr/>
-          <a:lstStyle/>
-          <a:p>
-            <a:r>
-              <a:rPr lang="en-US" dirty="0" smtClean="0"/>
-              <a:t>Translate 1-d speech to 2-d image</a:t>
-            </a:r>
-          </a:p>
-          <a:p>
-            <a:r>
-              <a:rPr lang="en-US" dirty="0" smtClean="0"/>
-              <a:t>Deep learning on pictures is better</a:t>
-            </a:r>
-          </a:p>
-          <a:p>
-            <a:r>
-              <a:rPr lang="en-US" dirty="0" smtClean="0"/>
-              <a:t>Similar spectrogram for same speech, but different spectrogram for different speech</a:t>
-            </a:r>
-            <a:endParaRPr lang="en-US" dirty="0"/>
-          </a:p>
-        </p:txBody>
-      </p:sp>
-      <p:sp>
-        <p:nvSpPr>
-          <p:cNvPr id="4" name="Date Placeholder 3"/>
-          <p:cNvSpPr>
-            <a:spLocks noGrp="1"/>
-          </p:cNvSpPr>
-          <p:nvPr>
-            <p:ph type="dt" sz="half" idx="10"/>
-          </p:nvPr>
-        </p:nvSpPr>
-        <p:spPr/>
-        <p:txBody>
-          <a:bodyPr/>
-          <a:lstStyle/>
-          <a:p>
-            <a:fld id="{6959E496-CF3D-48F2-BFA0-C6349C991B72}" type="datetime1">
-              <a:rPr lang="en-US" altLang="zh-CN" smtClean="0"/>
-              <a:t>9/5/2013</a:t>
-            </a:fld>
-            <a:endParaRPr lang="zh-CN" altLang="en-US"/>
-          </a:p>
-        </p:txBody>
-      </p:sp>
-      <p:sp>
-        <p:nvSpPr>
-          <p:cNvPr id="5" name="Slide Number Placeholder 4"/>
-          <p:cNvSpPr>
-            <a:spLocks noGrp="1"/>
-          </p:cNvSpPr>
-          <p:nvPr>
-            <p:ph type="sldNum" sz="quarter" idx="12"/>
-          </p:nvPr>
-        </p:nvSpPr>
-        <p:spPr/>
-        <p:txBody>
-          <a:bodyPr/>
-          <a:lstStyle/>
-          <a:p>
-            <a:fld id="{0C913308-F349-4B6D-A68A-DD1791B4A57B}" type="slidenum">
-              <a:rPr lang="zh-CN" altLang="en-US" smtClean="0"/>
-              <a:pPr/>
-              <a:t>6</a:t>
-            </a:fld>
-            <a:endParaRPr lang="zh-CN" altLang="en-US"/>
-          </a:p>
-        </p:txBody>
-      </p:sp>
-    </p:spTree>
-    <p:extLst>
-      <p:ext uri="{BB962C8B-B14F-4D97-AF65-F5344CB8AC3E}">
-        <p14:creationId xmlns:p14="http://schemas.microsoft.com/office/powerpoint/2010/main" val="1430818397"/>
-      </p:ext>
-    </p:extLst>
-  </p:cSld>
-  <p:clrMapOvr>
-    <a:masterClrMapping/>
-  </p:clrMapOvr>
-</p:sld>
-</file>
-
-<file path=ppt/slides/slide7.xml><?xml version="1.0" encoding="utf-8"?>
-<p:sld xmlns:a="http://schemas.openxmlformats.org/drawingml/2006/main" xmlns:r="http://schemas.openxmlformats.org/officeDocument/2006/relationships" xmlns:p="http://schemas.openxmlformats.org/presentationml/2006/main">
-  <p:cSld>
-    <p:spTree>
-      <p:nvGrpSpPr>
-        <p:cNvPr id="1" name=""/>
-        <p:cNvGrpSpPr/>
-        <p:nvPr/>
-      </p:nvGrpSpPr>
-      <p:grpSpPr>
-        <a:xfrm>
-          <a:off x="0" y="0"/>
-          <a:ext cx="0" cy="0"/>
-          <a:chOff x="0" y="0"/>
-          <a:chExt cx="0" cy="0"/>
-        </a:xfrm>
-      </p:grpSpPr>
-      <p:sp>
-        <p:nvSpPr>
-          <p:cNvPr id="2" name="Title 1"/>
-          <p:cNvSpPr>
-            <a:spLocks noGrp="1"/>
-          </p:cNvSpPr>
-          <p:nvPr>
-            <p:ph type="title"/>
-          </p:nvPr>
-        </p:nvSpPr>
-        <p:spPr/>
-        <p:txBody>
-          <a:bodyPr/>
-          <a:lstStyle/>
-          <a:p>
-            <a:r>
-              <a:rPr lang="en-US" sz="3200" dirty="0" smtClean="0"/>
-              <a:t>IV: Comparison of Word Clustering Algorithms on Semantic Role Labeling</a:t>
-            </a:r>
-            <a:endParaRPr lang="en-US" sz="3200" dirty="0"/>
-          </a:p>
-        </p:txBody>
-      </p:sp>
-      <p:sp>
-        <p:nvSpPr>
-          <p:cNvPr id="3" name="Content Placeholder 2"/>
-          <p:cNvSpPr>
-            <a:spLocks noGrp="1"/>
-          </p:cNvSpPr>
-          <p:nvPr>
-            <p:ph idx="1"/>
-          </p:nvPr>
-        </p:nvSpPr>
-        <p:spPr/>
-        <p:txBody>
-          <a:bodyPr/>
-          <a:lstStyle/>
-          <a:p>
-            <a:r>
-              <a:rPr lang="en-US" dirty="0" smtClean="0"/>
-              <a:t>Group similar word together</a:t>
-            </a:r>
-          </a:p>
-          <a:p>
-            <a:pPr lvl="1"/>
-            <a:r>
-              <a:rPr lang="en-US" dirty="0" smtClean="0"/>
-              <a:t>Out-of-Vocabulary (OOV) Problem</a:t>
-            </a:r>
-          </a:p>
-          <a:p>
-            <a:pPr lvl="1"/>
-            <a:r>
-              <a:rPr lang="en-US" dirty="0" err="1" smtClean="0"/>
-              <a:t>Sparsity</a:t>
-            </a:r>
-            <a:r>
-              <a:rPr lang="en-US" dirty="0" smtClean="0"/>
-              <a:t> Problem</a:t>
-            </a:r>
-          </a:p>
-          <a:p>
-            <a:pPr lvl="1"/>
-            <a:r>
-              <a:rPr lang="en-US" dirty="0" smtClean="0"/>
-              <a:t>Biology support: people have </a:t>
-            </a:r>
-            <a:r>
-              <a:rPr lang="en-US" dirty="0">
-                <a:solidFill>
-                  <a:srgbClr val="00B0F0"/>
-                </a:solidFill>
-              </a:rPr>
-              <a:t>semantic memory</a:t>
-            </a:r>
-            <a:endParaRPr lang="en-US" dirty="0" smtClean="0"/>
-          </a:p>
-          <a:p>
-            <a:r>
-              <a:rPr lang="en-US" dirty="0" smtClean="0"/>
-              <a:t>Question</a:t>
-            </a:r>
-          </a:p>
-          <a:p>
-            <a:pPr lvl="1"/>
-            <a:r>
-              <a:rPr lang="en-US" dirty="0" smtClean="0"/>
-              <a:t>How good are they?</a:t>
-            </a:r>
-            <a:endParaRPr lang="en-US" dirty="0"/>
-          </a:p>
-        </p:txBody>
-      </p:sp>
-      <p:sp>
-        <p:nvSpPr>
-          <p:cNvPr id="4" name="Date Placeholder 3"/>
-          <p:cNvSpPr>
-            <a:spLocks noGrp="1"/>
-          </p:cNvSpPr>
-          <p:nvPr>
-            <p:ph type="dt" sz="half" idx="10"/>
-          </p:nvPr>
-        </p:nvSpPr>
-        <p:spPr/>
-        <p:txBody>
-          <a:bodyPr/>
-          <a:lstStyle/>
-          <a:p>
-            <a:fld id="{6959E496-CF3D-48F2-BFA0-C6349C991B72}" type="datetime1">
-              <a:rPr lang="en-US" altLang="zh-CN" smtClean="0"/>
-              <a:t>9/5/2013</a:t>
-            </a:fld>
-            <a:endParaRPr lang="zh-CN" altLang="en-US"/>
-          </a:p>
-        </p:txBody>
-      </p:sp>
-      <p:sp>
-        <p:nvSpPr>
-          <p:cNvPr id="5" name="Slide Number Placeholder 4"/>
-          <p:cNvSpPr>
-            <a:spLocks noGrp="1"/>
-          </p:cNvSpPr>
-          <p:nvPr>
-            <p:ph type="sldNum" sz="quarter" idx="12"/>
-          </p:nvPr>
-        </p:nvSpPr>
-        <p:spPr/>
-        <p:txBody>
-          <a:bodyPr/>
-          <a:lstStyle/>
-          <a:p>
-            <a:fld id="{0C913308-F349-4B6D-A68A-DD1791B4A57B}" type="slidenum">
-              <a:rPr lang="zh-CN" altLang="en-US" smtClean="0"/>
-              <a:pPr/>
-              <a:t>7</a:t>
-            </a:fld>
-            <a:endParaRPr lang="zh-CN" altLang="en-US"/>
-          </a:p>
-        </p:txBody>
-      </p:sp>
-    </p:spTree>
-    <p:extLst>
-      <p:ext uri="{BB962C8B-B14F-4D97-AF65-F5344CB8AC3E}">
-        <p14:creationId xmlns:p14="http://schemas.microsoft.com/office/powerpoint/2010/main" val="3048082008"/>
-      </p:ext>
-    </p:extLst>
-  </p:cSld>
-  <p:clrMapOvr>
-    <a:masterClrMapping/>
-  </p:clrMapOvr>
-  <p:timing>
-    <p:tnLst>
-      <p:par>
-        <p:cTn id="1" dur="indefinite" restart="never" nodeType="tmRoot"/>
-      </p:par>
-    </p:tnLst>
-  </p:timing>
-</p:sld>
-</file>
-
 <file path=ppt/slides/slide8.xml><?xml version="1.0" encoding="utf-8"?>
 <p:sld xmlns:a="http://schemas.openxmlformats.org/drawingml/2006/main" xmlns:r="http://schemas.openxmlformats.org/officeDocument/2006/relationships" xmlns:p="http://schemas.openxmlformats.org/presentationml/2006/main">
   <p:cSld>
@@ -5615,7 +6224,7 @@
           <a:p>
             <a:r>
               <a:rPr lang="en-US" dirty="0" smtClean="0"/>
-              <a:t>Word Clustering Methods</a:t>
+              <a:t>Motivation</a:t>
             </a:r>
             <a:endParaRPr lang="en-US" dirty="0"/>
           </a:p>
@@ -5637,50 +6246,20 @@
           <a:lstStyle/>
           <a:p>
             <a:r>
-              <a:rPr lang="en-US" dirty="0" smtClean="0">
-                <a:hlinkClick r:id="rId2"/>
-              </a:rPr>
-              <a:t>Brown et al., 1992</a:t>
-            </a:r>
-            <a:endParaRPr lang="en-US" dirty="0" smtClean="0"/>
-          </a:p>
-          <a:p>
-            <a:r>
               <a:rPr lang="en-US" dirty="0" smtClean="0"/>
-              <a:t>LSA</a:t>
-            </a:r>
-          </a:p>
-          <a:p>
-            <a:r>
-              <a:rPr lang="en-US" dirty="0" smtClean="0">
-                <a:hlinkClick r:id="rId3"/>
-              </a:rPr>
-              <a:t>LDA</a:t>
-            </a:r>
-            <a:endParaRPr lang="en-US" dirty="0" smtClean="0"/>
-          </a:p>
-          <a:p>
-            <a:r>
-              <a:rPr lang="en-US" dirty="0" smtClean="0">
-                <a:hlinkClick r:id="rId4"/>
-              </a:rPr>
-              <a:t>Deep Learning</a:t>
-            </a:r>
-            <a:endParaRPr lang="en-US" dirty="0" smtClean="0"/>
+              <a:t>Translate 1-d speech to 2-d image</a:t>
+            </a:r>
           </a:p>
           <a:p>
             <a:r>
               <a:rPr lang="en-US" dirty="0" smtClean="0"/>
-              <a:t>Others</a:t>
-            </a:r>
-          </a:p>
-          <a:p>
-            <a:pPr lvl="1"/>
-            <a:r>
-              <a:rPr lang="en-US" dirty="0" smtClean="0">
-                <a:hlinkClick r:id="rId5"/>
-              </a:rPr>
-              <a:t>Maas et al., 2012</a:t>
+              <a:t>Deep learning on pictures is better</a:t>
+            </a:r>
+          </a:p>
+          <a:p>
+            <a:r>
+              <a:rPr lang="en-US" dirty="0" smtClean="0"/>
+              <a:t>Similar spectrogram for same speech, but different spectrogram for different speech</a:t>
             </a:r>
             <a:endParaRPr lang="en-US" dirty="0"/>
           </a:p>
@@ -5703,7 +6282,7 @@
           <a:p>
             <a:fld id="{6959E496-CF3D-48F2-BFA0-C6349C991B72}" type="datetime1">
               <a:rPr lang="en-US" altLang="zh-CN" smtClean="0"/>
-              <a:t>9/5/2013</a:t>
+              <a:t>9/6/2013</a:t>
             </a:fld>
             <a:endParaRPr lang="zh-CN" altLang="en-US"/>
           </a:p>
@@ -5736,7 +6315,7 @@
     </p:spTree>
     <p:extLst>
       <p:ext uri="{BB962C8B-B14F-4D97-AF65-F5344CB8AC3E}">
-        <p14:creationId xmlns:p14="http://schemas.microsoft.com/office/powerpoint/2010/main" val="4226882380"/>
+        <p14:creationId xmlns:p14="http://schemas.microsoft.com/office/powerpoint/2010/main" val="1430818397"/>
       </p:ext>
     </p:extLst>
   </p:cSld>
@@ -5779,8 +6358,78 @@
           <a:lstStyle/>
           <a:p>
             <a:r>
+              <a:rPr lang="en-US" sz="3200" dirty="0" smtClean="0"/>
+              <a:t>IV: Comparison of Word Clustering Algorithms on Semantic Role Labeling</a:t>
+            </a:r>
+            <a:endParaRPr lang="en-US" sz="3200" dirty="0"/>
+          </a:p>
+        </p:txBody>
+      </p:sp>
+      <p:sp>
+        <p:nvSpPr>
+          <p:cNvPr id="3" name="Content Placeholder 2"/>
+          <p:cNvSpPr>
+            <a:spLocks noGrp="1"/>
+          </p:cNvSpPr>
+          <p:nvPr>
+            <p:ph idx="1"/>
+          </p:nvPr>
+        </p:nvSpPr>
+        <p:spPr/>
+        <p:txBody>
+          <a:bodyPr/>
+          <a:lstStyle/>
+          <a:p>
+            <a:r>
               <a:rPr lang="en-US" dirty="0" smtClean="0"/>
-              <a:t>Extrinsic Task</a:t>
+              <a:t>Group similar word together</a:t>
+            </a:r>
+          </a:p>
+          <a:p>
+            <a:pPr lvl="1"/>
+            <a:r>
+              <a:rPr lang="en-US" dirty="0" smtClean="0"/>
+              <a:t>Out-of-Vocabulary (OOV) Problem</a:t>
+            </a:r>
+          </a:p>
+          <a:p>
+            <a:pPr lvl="1"/>
+            <a:r>
+              <a:rPr lang="en-US" dirty="0" err="1" smtClean="0"/>
+              <a:t>Sparsity</a:t>
+            </a:r>
+            <a:r>
+              <a:rPr lang="en-US" dirty="0" smtClean="0"/>
+              <a:t> Problem</a:t>
+            </a:r>
+          </a:p>
+          <a:p>
+            <a:pPr lvl="1"/>
+            <a:r>
+              <a:rPr lang="en-US" dirty="0" smtClean="0"/>
+              <a:t>Biology support: people have </a:t>
+            </a:r>
+            <a:r>
+              <a:rPr lang="en-US" dirty="0">
+                <a:solidFill>
+                  <a:srgbClr val="00B0F0"/>
+                </a:solidFill>
+              </a:rPr>
+              <a:t>semantic memory</a:t>
+            </a:r>
+            <a:endParaRPr lang="en-US" dirty="0" smtClean="0"/>
+          </a:p>
+          <a:p>
+            <a:r>
+              <a:rPr lang="en-US" dirty="0" smtClean="0"/>
+              <a:t>Question</a:t>
+            </a:r>
+          </a:p>
+          <a:p>
+            <a:pPr lvl="1"/>
+            <a:r>
+              <a:rPr lang="en-US" dirty="0" smtClean="0"/>
+              <a:t>How good are they?</a:t>
             </a:r>
             <a:endParaRPr lang="en-US" dirty="0"/>
           </a:p>
@@ -5788,12 +6437,12 @@
       </p:sp>
       <p:sp>
         <p:nvSpPr>
-          <p:cNvPr id="3" name="Content Placeholder 2"/>
-          <p:cNvSpPr>
-            <a:spLocks noGrp="1"/>
-          </p:cNvSpPr>
-          <p:nvPr>
-            <p:ph idx="1"/>
+          <p:cNvPr id="4" name="Date Placeholder 3"/>
+          <p:cNvSpPr>
+            <a:spLocks noGrp="1"/>
+          </p:cNvSpPr>
+          <p:nvPr>
+            <p:ph type="dt" sz="half" idx="10"/>
           </p:nvPr>
         </p:nvSpPr>
         <p:spPr/>
@@ -5801,58 +6450,9 @@
           <a:bodyPr/>
           <a:lstStyle/>
           <a:p>
-            <a:r>
-              <a:rPr lang="en-US" dirty="0" smtClean="0"/>
-              <a:t>Semantic Role Labeling</a:t>
-            </a:r>
-          </a:p>
-          <a:p>
-            <a:pPr lvl="1"/>
-            <a:r>
-              <a:rPr lang="en-US" dirty="0"/>
-              <a:t>CoNLL-2004 and CoNLL-2005 Shared Tasks</a:t>
-            </a:r>
-          </a:p>
-          <a:p>
-            <a:r>
-              <a:rPr lang="en-US" dirty="0" smtClean="0"/>
-              <a:t>Data</a:t>
-            </a:r>
-          </a:p>
-          <a:p>
-            <a:pPr lvl="1"/>
-            <a:r>
-              <a:rPr lang="en-US" dirty="0" err="1">
-                <a:hlinkClick r:id="rId2"/>
-              </a:rPr>
-              <a:t>PropBank</a:t>
-            </a:r>
-            <a:r>
-              <a:rPr lang="en-US" dirty="0"/>
-              <a:t> </a:t>
-            </a:r>
-            <a:endParaRPr lang="en-US" dirty="0"/>
-          </a:p>
-        </p:txBody>
-      </p:sp>
-      <p:sp>
-        <p:nvSpPr>
-          <p:cNvPr id="4" name="Date Placeholder 3"/>
-          <p:cNvSpPr>
-            <a:spLocks noGrp="1"/>
-          </p:cNvSpPr>
-          <p:nvPr>
-            <p:ph type="dt" sz="half" idx="10"/>
-          </p:nvPr>
-        </p:nvSpPr>
-        <p:spPr/>
-        <p:txBody>
-          <a:bodyPr/>
-          <a:lstStyle/>
-          <a:p>
             <a:fld id="{6959E496-CF3D-48F2-BFA0-C6349C991B72}" type="datetime1">
               <a:rPr lang="en-US" altLang="zh-CN" smtClean="0"/>
-              <a:t>9/5/2013</a:t>
+              <a:t>9/6/2013</a:t>
             </a:fld>
             <a:endParaRPr lang="zh-CN" altLang="en-US"/>
           </a:p>
@@ -5885,13 +6485,20 @@
     </p:spTree>
     <p:extLst>
       <p:ext uri="{BB962C8B-B14F-4D97-AF65-F5344CB8AC3E}">
-        <p14:creationId xmlns:p14="http://schemas.microsoft.com/office/powerpoint/2010/main" val="1180714160"/>
+        <p14:creationId xmlns:p14="http://schemas.microsoft.com/office/powerpoint/2010/main" val="3048082008"/>
       </p:ext>
     </p:extLst>
   </p:cSld>
   <p:clrMapOvr>
     <a:masterClrMapping/>
   </p:clrMapOvr>
+  <p:timing>
+    <p:tnLst>
+      <p:par>
+        <p:cTn id="1" dur="indefinite" restart="never" nodeType="tmRoot"/>
+      </p:par>
+    </p:tnLst>
+  </p:timing>
 </p:sld>
 </file>
 

--- a/doc/More Ideas-Wencan.pptx
+++ b/doc/More Ideas-Wencan.pptx
@@ -224,7 +224,7 @@
             <a:fld id="{5B5349A0-9DCA-4449-8462-5D9CB563EABC}" type="datetimeFigureOut">
               <a:rPr lang="zh-CN" altLang="en-US" smtClean="0"/>
               <a:pPr/>
-              <a:t>2013/9/6</a:t>
+              <a:t>2013-9-6</a:t>
             </a:fld>
             <a:endParaRPr lang="zh-CN" altLang="en-US"/>
           </a:p>
@@ -5301,11 +5301,11 @@
             <a:pPr lvl="1"/>
             <a:r>
               <a:rPr lang="en-US" dirty="0" smtClean="0"/>
-              <a:t>M</a:t>
+              <a:t>Might can be mapped to different graph </a:t>
             </a:r>
             <a:r>
               <a:rPr lang="en-US" dirty="0" smtClean="0"/>
-              <a:t>ight can be mapped to different graph structure</a:t>
+              <a:t>structures</a:t>
             </a:r>
             <a:endParaRPr lang="en-US" dirty="0"/>
           </a:p>
@@ -5650,7 +5650,15 @@
           <a:p>
             <a:r>
               <a:rPr lang="en-US" dirty="0" smtClean="0"/>
-              <a:t>Recognize the Speech from its picture</a:t>
+              <a:t>Recognize the </a:t>
+            </a:r>
+            <a:r>
+              <a:rPr lang="en-US" dirty="0" smtClean="0"/>
+              <a:t>speech </a:t>
+            </a:r>
+            <a:r>
+              <a:rPr lang="en-US" dirty="0" smtClean="0"/>
+              <a:t>from its picture</a:t>
             </a:r>
             <a:endParaRPr lang="en-US" dirty="0"/>
           </a:p>
